--- a/proposalfigure.pptx
+++ b/proposalfigure.pptx
@@ -104,7 +104,49 @@
       </a:defRPr>
     </a:lvl9pPr>
   </p:defaultTextStyle>
+  <p:extLst>
+    <p:ext uri="{EFAFB233-063F-42B5-8137-9DF3F51BA10A}">
+      <p15:sldGuideLst xmlns:p15="http://schemas.microsoft.com/office/powerpoint/2012/main"/>
+    </p:ext>
+  </p:extLst>
 </p:presentation>
+</file>
+
+<file path=ppt/changesInfos/changesInfo1.xml><?xml version="1.0" encoding="utf-8"?>
+<pc:chgInfo xmlns:a="http://schemas.openxmlformats.org/drawingml/2006/main" xmlns:r="http://schemas.openxmlformats.org/officeDocument/2006/relationships" xmlns:ac="http://schemas.microsoft.com/office/drawing/2013/main/command" xmlns:pc="http://schemas.microsoft.com/office/powerpoint/2013/main/command">
+  <pc:docChgLst>
+    <pc:chgData name="Garayburu-Caruso, Vanessa A" userId="e129c12f-749a-4310-80b6-042d2c75f741" providerId="ADAL" clId="{7213A7E9-78F3-415E-A586-CC9BC3E4D401}"/>
+    <pc:docChg chg="modSld">
+      <pc:chgData name="Garayburu-Caruso, Vanessa A" userId="e129c12f-749a-4310-80b6-042d2c75f741" providerId="ADAL" clId="{7213A7E9-78F3-415E-A586-CC9BC3E4D401}" dt="2022-03-22T20:15:36.256" v="5" actId="20577"/>
+      <pc:docMkLst>
+        <pc:docMk/>
+      </pc:docMkLst>
+      <pc:sldChg chg="modSp mod">
+        <pc:chgData name="Garayburu-Caruso, Vanessa A" userId="e129c12f-749a-4310-80b6-042d2c75f741" providerId="ADAL" clId="{7213A7E9-78F3-415E-A586-CC9BC3E4D401}" dt="2022-03-22T20:15:36.256" v="5" actId="20577"/>
+        <pc:sldMkLst>
+          <pc:docMk/>
+          <pc:sldMk cId="294783719" sldId="256"/>
+        </pc:sldMkLst>
+        <pc:spChg chg="mod">
+          <ac:chgData name="Garayburu-Caruso, Vanessa A" userId="e129c12f-749a-4310-80b6-042d2c75f741" providerId="ADAL" clId="{7213A7E9-78F3-415E-A586-CC9BC3E4D401}" dt="2022-03-22T20:04:07.041" v="3" actId="20577"/>
+          <ac:spMkLst>
+            <pc:docMk/>
+            <pc:sldMk cId="294783719" sldId="256"/>
+            <ac:spMk id="14" creationId="{11F55AE2-0C42-4B9B-9BDE-F0EA78F647AA}"/>
+          </ac:spMkLst>
+        </pc:spChg>
+        <pc:spChg chg="mod">
+          <ac:chgData name="Garayburu-Caruso, Vanessa A" userId="e129c12f-749a-4310-80b6-042d2c75f741" providerId="ADAL" clId="{7213A7E9-78F3-415E-A586-CC9BC3E4D401}" dt="2022-03-22T20:15:36.256" v="5" actId="20577"/>
+          <ac:spMkLst>
+            <pc:docMk/>
+            <pc:sldMk cId="294783719" sldId="256"/>
+            <ac:spMk id="42" creationId="{CEA6A66D-A5FD-4411-900A-165F4849A7B6}"/>
+          </ac:spMkLst>
+        </pc:spChg>
+      </pc:sldChg>
+    </pc:docChg>
+  </pc:docChgLst>
+</pc:chgInfo>
 </file>
 
 <file path=ppt/slideLayouts/slideLayout1.xml><?xml version="1.0" encoding="utf-8"?>
@@ -254,7 +296,7 @@
           <a:p>
             <a:fld id="{EB8F9C6A-9697-4BDA-BFDC-0922C08C1E4F}" type="datetimeFigureOut">
               <a:rPr lang="en-US" smtClean="0"/>
-              <a:t>3/20/2022</a:t>
+              <a:t>3/22/2022</a:t>
             </a:fld>
             <a:endParaRPr lang="en-US"/>
           </a:p>
@@ -452,7 +494,7 @@
           <a:p>
             <a:fld id="{EB8F9C6A-9697-4BDA-BFDC-0922C08C1E4F}" type="datetimeFigureOut">
               <a:rPr lang="en-US" smtClean="0"/>
-              <a:t>3/20/2022</a:t>
+              <a:t>3/22/2022</a:t>
             </a:fld>
             <a:endParaRPr lang="en-US"/>
           </a:p>
@@ -660,7 +702,7 @@
           <a:p>
             <a:fld id="{EB8F9C6A-9697-4BDA-BFDC-0922C08C1E4F}" type="datetimeFigureOut">
               <a:rPr lang="en-US" smtClean="0"/>
-              <a:t>3/20/2022</a:t>
+              <a:t>3/22/2022</a:t>
             </a:fld>
             <a:endParaRPr lang="en-US"/>
           </a:p>
@@ -858,7 +900,7 @@
           <a:p>
             <a:fld id="{EB8F9C6A-9697-4BDA-BFDC-0922C08C1E4F}" type="datetimeFigureOut">
               <a:rPr lang="en-US" smtClean="0"/>
-              <a:t>3/20/2022</a:t>
+              <a:t>3/22/2022</a:t>
             </a:fld>
             <a:endParaRPr lang="en-US"/>
           </a:p>
@@ -1133,7 +1175,7 @@
           <a:p>
             <a:fld id="{EB8F9C6A-9697-4BDA-BFDC-0922C08C1E4F}" type="datetimeFigureOut">
               <a:rPr lang="en-US" smtClean="0"/>
-              <a:t>3/20/2022</a:t>
+              <a:t>3/22/2022</a:t>
             </a:fld>
             <a:endParaRPr lang="en-US"/>
           </a:p>
@@ -1398,7 +1440,7 @@
           <a:p>
             <a:fld id="{EB8F9C6A-9697-4BDA-BFDC-0922C08C1E4F}" type="datetimeFigureOut">
               <a:rPr lang="en-US" smtClean="0"/>
-              <a:t>3/20/2022</a:t>
+              <a:t>3/22/2022</a:t>
             </a:fld>
             <a:endParaRPr lang="en-US"/>
           </a:p>
@@ -1810,7 +1852,7 @@
           <a:p>
             <a:fld id="{EB8F9C6A-9697-4BDA-BFDC-0922C08C1E4F}" type="datetimeFigureOut">
               <a:rPr lang="en-US" smtClean="0"/>
-              <a:t>3/20/2022</a:t>
+              <a:t>3/22/2022</a:t>
             </a:fld>
             <a:endParaRPr lang="en-US"/>
           </a:p>
@@ -1951,7 +1993,7 @@
           <a:p>
             <a:fld id="{EB8F9C6A-9697-4BDA-BFDC-0922C08C1E4F}" type="datetimeFigureOut">
               <a:rPr lang="en-US" smtClean="0"/>
-              <a:t>3/20/2022</a:t>
+              <a:t>3/22/2022</a:t>
             </a:fld>
             <a:endParaRPr lang="en-US"/>
           </a:p>
@@ -2064,7 +2106,7 @@
           <a:p>
             <a:fld id="{EB8F9C6A-9697-4BDA-BFDC-0922C08C1E4F}" type="datetimeFigureOut">
               <a:rPr lang="en-US" smtClean="0"/>
-              <a:t>3/20/2022</a:t>
+              <a:t>3/22/2022</a:t>
             </a:fld>
             <a:endParaRPr lang="en-US"/>
           </a:p>
@@ -2375,7 +2417,7 @@
           <a:p>
             <a:fld id="{EB8F9C6A-9697-4BDA-BFDC-0922C08C1E4F}" type="datetimeFigureOut">
               <a:rPr lang="en-US" smtClean="0"/>
-              <a:t>3/20/2022</a:t>
+              <a:t>3/22/2022</a:t>
             </a:fld>
             <a:endParaRPr lang="en-US"/>
           </a:p>
@@ -2663,7 +2705,7 @@
           <a:p>
             <a:fld id="{EB8F9C6A-9697-4BDA-BFDC-0922C08C1E4F}" type="datetimeFigureOut">
               <a:rPr lang="en-US" smtClean="0"/>
-              <a:t>3/20/2022</a:t>
+              <a:t>3/22/2022</a:t>
             </a:fld>
             <a:endParaRPr lang="en-US"/>
           </a:p>
@@ -2904,7 +2946,7 @@
           <a:p>
             <a:fld id="{EB8F9C6A-9697-4BDA-BFDC-0922C08C1E4F}" type="datetimeFigureOut">
               <a:rPr lang="en-US" smtClean="0"/>
-              <a:t>3/20/2022</a:t>
+              <a:t>3/22/2022</a:t>
             </a:fld>
             <a:endParaRPr lang="en-US"/>
           </a:p>
@@ -3369,7 +3411,7 @@
                 <a:latin typeface="Times New Roman" panose="02020603050405020304" pitchFamily="18" charset="0"/>
                 <a:cs typeface="Times New Roman" panose="02020603050405020304" pitchFamily="18" charset="0"/>
               </a:rPr>
-              <a:t>. a) Proposed field sites along the YRB; b) Ranges of predicted </a:t>
+              <a:t>. Field sites across the YRB that will be sampled in August 2022. The sites have been selected to span a broad range of predicted </a:t>
             </a:r>
             <a:r>
               <a:rPr lang="en-US" sz="2400" dirty="0" err="1">
@@ -3383,7 +3425,7 @@
                 <a:latin typeface="Times New Roman" panose="02020603050405020304" pitchFamily="18" charset="0"/>
                 <a:cs typeface="Times New Roman" panose="02020603050405020304" pitchFamily="18" charset="0"/>
               </a:rPr>
-              <a:t> and stream order in proposed sites.</a:t>
+              <a:t> values.</a:t>
             </a:r>
           </a:p>
         </p:txBody>
@@ -4224,7 +4266,7 @@
                 <a:latin typeface="Arial" panose="020B0604020202020204" pitchFamily="34" charset="0"/>
                 <a:cs typeface="Arial" panose="020B0604020202020204" pitchFamily="34" charset="0"/>
               </a:rPr>
-              <a:t>Ersed</a:t>
+              <a:t>ERsed</a:t>
             </a:r>
             <a:r>
               <a:rPr lang="en-US" b="1" dirty="0">

--- a/proposalfigure.pptx
+++ b/proposalfigure.pptx
@@ -6,6 +6,7 @@
   </p:sldMasterIdLst>
   <p:sldIdLst>
     <p:sldId id="256" r:id="rId2"/>
+    <p:sldId id="258" r:id="rId3"/>
   </p:sldIdLst>
   <p:sldSz cx="12192000" cy="6858000"/>
   <p:notesSz cx="6858000" cy="9144000"/>
@@ -112,12 +113,20 @@
 </p:presentation>
 </file>
 
+<file path=ppt/revisionInfo.xml><?xml version="1.0" encoding="utf-8"?>
+<p1510:revInfo xmlns:a="http://schemas.openxmlformats.org/drawingml/2006/main" xmlns:r="http://schemas.openxmlformats.org/officeDocument/2006/relationships" xmlns:p1510="http://schemas.microsoft.com/office/powerpoint/2015/10/main">
+  <p1510:revLst>
+    <p1510:client id="{7213A7E9-78F3-415E-A586-CC9BC3E4D401}" v="1" dt="2022-03-24T01:47:00.433"/>
+  </p1510:revLst>
+</p1510:revInfo>
+</file>
+
 <file path=ppt/changesInfos/changesInfo1.xml><?xml version="1.0" encoding="utf-8"?>
 <pc:chgInfo xmlns:a="http://schemas.openxmlformats.org/drawingml/2006/main" xmlns:r="http://schemas.openxmlformats.org/officeDocument/2006/relationships" xmlns:ac="http://schemas.microsoft.com/office/drawing/2013/main/command" xmlns:pc="http://schemas.microsoft.com/office/powerpoint/2013/main/command">
   <pc:docChgLst>
     <pc:chgData name="Garayburu-Caruso, Vanessa A" userId="e129c12f-749a-4310-80b6-042d2c75f741" providerId="ADAL" clId="{7213A7E9-78F3-415E-A586-CC9BC3E4D401}"/>
-    <pc:docChg chg="modSld">
-      <pc:chgData name="Garayburu-Caruso, Vanessa A" userId="e129c12f-749a-4310-80b6-042d2c75f741" providerId="ADAL" clId="{7213A7E9-78F3-415E-A586-CC9BC3E4D401}" dt="2022-03-22T20:15:36.256" v="5" actId="20577"/>
+    <pc:docChg chg="custSel addSld delSld modSld">
+      <pc:chgData name="Garayburu-Caruso, Vanessa A" userId="e129c12f-749a-4310-80b6-042d2c75f741" providerId="ADAL" clId="{7213A7E9-78F3-415E-A586-CC9BC3E4D401}" dt="2022-03-24T01:48:44.870" v="83" actId="1076"/>
       <pc:docMkLst>
         <pc:docMk/>
       </pc:docMkLst>
@@ -144,6 +153,196 @@
           </ac:spMkLst>
         </pc:spChg>
       </pc:sldChg>
+      <pc:sldChg chg="new del">
+        <pc:chgData name="Garayburu-Caruso, Vanessa A" userId="e129c12f-749a-4310-80b6-042d2c75f741" providerId="ADAL" clId="{7213A7E9-78F3-415E-A586-CC9BC3E4D401}" dt="2022-03-24T01:47:02.893" v="8" actId="47"/>
+        <pc:sldMkLst>
+          <pc:docMk/>
+          <pc:sldMk cId="481650192" sldId="257"/>
+        </pc:sldMkLst>
+      </pc:sldChg>
+      <pc:sldChg chg="delSp modSp add mod setBg">
+        <pc:chgData name="Garayburu-Caruso, Vanessa A" userId="e129c12f-749a-4310-80b6-042d2c75f741" providerId="ADAL" clId="{7213A7E9-78F3-415E-A586-CC9BC3E4D401}" dt="2022-03-24T01:48:44.870" v="83" actId="1076"/>
+        <pc:sldMkLst>
+          <pc:docMk/>
+          <pc:sldMk cId="3760082169" sldId="258"/>
+        </pc:sldMkLst>
+        <pc:spChg chg="mod">
+          <ac:chgData name="Garayburu-Caruso, Vanessa A" userId="e129c12f-749a-4310-80b6-042d2c75f741" providerId="ADAL" clId="{7213A7E9-78F3-415E-A586-CC9BC3E4D401}" dt="2022-03-24T01:48:39.027" v="82" actId="255"/>
+          <ac:spMkLst>
+            <pc:docMk/>
+            <pc:sldMk cId="3760082169" sldId="258"/>
+            <ac:spMk id="14" creationId="{11F55AE2-0C42-4B9B-9BDE-F0EA78F647AA}"/>
+          </ac:spMkLst>
+        </pc:spChg>
+        <pc:spChg chg="del">
+          <ac:chgData name="Garayburu-Caruso, Vanessa A" userId="e129c12f-749a-4310-80b6-042d2c75f741" providerId="ADAL" clId="{7213A7E9-78F3-415E-A586-CC9BC3E4D401}" dt="2022-03-24T01:47:13.881" v="11" actId="478"/>
+          <ac:spMkLst>
+            <pc:docMk/>
+            <pc:sldMk cId="3760082169" sldId="258"/>
+            <ac:spMk id="17" creationId="{F1BFF988-C16A-42C3-AEA6-0BAAFF00D3D0}"/>
+          </ac:spMkLst>
+        </pc:spChg>
+        <pc:spChg chg="del">
+          <ac:chgData name="Garayburu-Caruso, Vanessa A" userId="e129c12f-749a-4310-80b6-042d2c75f741" providerId="ADAL" clId="{7213A7E9-78F3-415E-A586-CC9BC3E4D401}" dt="2022-03-24T01:47:06.764" v="9" actId="478"/>
+          <ac:spMkLst>
+            <pc:docMk/>
+            <pc:sldMk cId="3760082169" sldId="258"/>
+            <ac:spMk id="23" creationId="{F6CB4DAC-7142-4EB0-B8B4-098EF64474F5}"/>
+          </ac:spMkLst>
+        </pc:spChg>
+        <pc:spChg chg="mod">
+          <ac:chgData name="Garayburu-Caruso, Vanessa A" userId="e129c12f-749a-4310-80b6-042d2c75f741" providerId="ADAL" clId="{7213A7E9-78F3-415E-A586-CC9BC3E4D401}" dt="2022-03-24T01:48:44.870" v="83" actId="1076"/>
+          <ac:spMkLst>
+            <pc:docMk/>
+            <pc:sldMk cId="3760082169" sldId="258"/>
+            <ac:spMk id="25" creationId="{47094A04-19E3-4665-A89F-DA65598717F6}"/>
+          </ac:spMkLst>
+        </pc:spChg>
+        <pc:spChg chg="mod">
+          <ac:chgData name="Garayburu-Caruso, Vanessa A" userId="e129c12f-749a-4310-80b6-042d2c75f741" providerId="ADAL" clId="{7213A7E9-78F3-415E-A586-CC9BC3E4D401}" dt="2022-03-24T01:48:11.393" v="74" actId="1038"/>
+          <ac:spMkLst>
+            <pc:docMk/>
+            <pc:sldMk cId="3760082169" sldId="258"/>
+            <ac:spMk id="26" creationId="{2D09AEA7-91FC-4D75-8901-E55B6B5F3253}"/>
+          </ac:spMkLst>
+        </pc:spChg>
+        <pc:spChg chg="mod">
+          <ac:chgData name="Garayburu-Caruso, Vanessa A" userId="e129c12f-749a-4310-80b6-042d2c75f741" providerId="ADAL" clId="{7213A7E9-78F3-415E-A586-CC9BC3E4D401}" dt="2022-03-24T01:48:11.393" v="74" actId="1038"/>
+          <ac:spMkLst>
+            <pc:docMk/>
+            <pc:sldMk cId="3760082169" sldId="258"/>
+            <ac:spMk id="27" creationId="{16668E57-63E1-470B-BF9B-9B75BC2ADC90}"/>
+          </ac:spMkLst>
+        </pc:spChg>
+        <pc:spChg chg="del">
+          <ac:chgData name="Garayburu-Caruso, Vanessa A" userId="e129c12f-749a-4310-80b6-042d2c75f741" providerId="ADAL" clId="{7213A7E9-78F3-415E-A586-CC9BC3E4D401}" dt="2022-03-24T01:47:59.917" v="15" actId="478"/>
+          <ac:spMkLst>
+            <pc:docMk/>
+            <pc:sldMk cId="3760082169" sldId="258"/>
+            <ac:spMk id="28" creationId="{A3F611B5-1243-4265-B2E3-34B012FD0C30}"/>
+          </ac:spMkLst>
+        </pc:spChg>
+        <pc:spChg chg="del">
+          <ac:chgData name="Garayburu-Caruso, Vanessa A" userId="e129c12f-749a-4310-80b6-042d2c75f741" providerId="ADAL" clId="{7213A7E9-78F3-415E-A586-CC9BC3E4D401}" dt="2022-03-24T01:47:57.139" v="14" actId="478"/>
+          <ac:spMkLst>
+            <pc:docMk/>
+            <pc:sldMk cId="3760082169" sldId="258"/>
+            <ac:spMk id="29" creationId="{145F610F-CE2A-4621-A340-6AE92219C7A1}"/>
+          </ac:spMkLst>
+        </pc:spChg>
+        <pc:spChg chg="del">
+          <ac:chgData name="Garayburu-Caruso, Vanessa A" userId="e129c12f-749a-4310-80b6-042d2c75f741" providerId="ADAL" clId="{7213A7E9-78F3-415E-A586-CC9BC3E4D401}" dt="2022-03-24T01:47:57.139" v="14" actId="478"/>
+          <ac:spMkLst>
+            <pc:docMk/>
+            <pc:sldMk cId="3760082169" sldId="258"/>
+            <ac:spMk id="30" creationId="{25396950-1D90-4ADE-A082-35DF6225C266}"/>
+          </ac:spMkLst>
+        </pc:spChg>
+        <pc:spChg chg="del">
+          <ac:chgData name="Garayburu-Caruso, Vanessa A" userId="e129c12f-749a-4310-80b6-042d2c75f741" providerId="ADAL" clId="{7213A7E9-78F3-415E-A586-CC9BC3E4D401}" dt="2022-03-24T01:47:57.139" v="14" actId="478"/>
+          <ac:spMkLst>
+            <pc:docMk/>
+            <pc:sldMk cId="3760082169" sldId="258"/>
+            <ac:spMk id="31" creationId="{9385862E-960C-48F9-93F1-49B2E4A73079}"/>
+          </ac:spMkLst>
+        </pc:spChg>
+        <pc:spChg chg="del">
+          <ac:chgData name="Garayburu-Caruso, Vanessa A" userId="e129c12f-749a-4310-80b6-042d2c75f741" providerId="ADAL" clId="{7213A7E9-78F3-415E-A586-CC9BC3E4D401}" dt="2022-03-24T01:47:57.139" v="14" actId="478"/>
+          <ac:spMkLst>
+            <pc:docMk/>
+            <pc:sldMk cId="3760082169" sldId="258"/>
+            <ac:spMk id="32" creationId="{68569E5D-C3BE-4421-9EA3-DE6D574CD932}"/>
+          </ac:spMkLst>
+        </pc:spChg>
+        <pc:spChg chg="del">
+          <ac:chgData name="Garayburu-Caruso, Vanessa A" userId="e129c12f-749a-4310-80b6-042d2c75f741" providerId="ADAL" clId="{7213A7E9-78F3-415E-A586-CC9BC3E4D401}" dt="2022-03-24T01:47:57.139" v="14" actId="478"/>
+          <ac:spMkLst>
+            <pc:docMk/>
+            <pc:sldMk cId="3760082169" sldId="258"/>
+            <ac:spMk id="33" creationId="{4E1D7626-E9ED-4F44-9A32-4E88E701901A}"/>
+          </ac:spMkLst>
+        </pc:spChg>
+        <pc:spChg chg="del">
+          <ac:chgData name="Garayburu-Caruso, Vanessa A" userId="e129c12f-749a-4310-80b6-042d2c75f741" providerId="ADAL" clId="{7213A7E9-78F3-415E-A586-CC9BC3E4D401}" dt="2022-03-24T01:48:03.681" v="16" actId="478"/>
+          <ac:spMkLst>
+            <pc:docMk/>
+            <pc:sldMk cId="3760082169" sldId="258"/>
+            <ac:spMk id="34" creationId="{5862C75B-F0AD-4CFA-BD2A-070106794CDF}"/>
+          </ac:spMkLst>
+        </pc:spChg>
+        <pc:spChg chg="del">
+          <ac:chgData name="Garayburu-Caruso, Vanessa A" userId="e129c12f-749a-4310-80b6-042d2c75f741" providerId="ADAL" clId="{7213A7E9-78F3-415E-A586-CC9BC3E4D401}" dt="2022-03-24T01:47:13.881" v="11" actId="478"/>
+          <ac:spMkLst>
+            <pc:docMk/>
+            <pc:sldMk cId="3760082169" sldId="258"/>
+            <ac:spMk id="35" creationId="{EFF67847-A7AC-47DF-ACC0-74EC5FA6490E}"/>
+          </ac:spMkLst>
+        </pc:spChg>
+        <pc:spChg chg="del">
+          <ac:chgData name="Garayburu-Caruso, Vanessa A" userId="e129c12f-749a-4310-80b6-042d2c75f741" providerId="ADAL" clId="{7213A7E9-78F3-415E-A586-CC9BC3E4D401}" dt="2022-03-24T01:47:13.881" v="11" actId="478"/>
+          <ac:spMkLst>
+            <pc:docMk/>
+            <pc:sldMk cId="3760082169" sldId="258"/>
+            <ac:spMk id="36" creationId="{B513E1F2-190E-4712-974F-F56656DDFE2C}"/>
+          </ac:spMkLst>
+        </pc:spChg>
+        <pc:spChg chg="del">
+          <ac:chgData name="Garayburu-Caruso, Vanessa A" userId="e129c12f-749a-4310-80b6-042d2c75f741" providerId="ADAL" clId="{7213A7E9-78F3-415E-A586-CC9BC3E4D401}" dt="2022-03-24T01:47:13.881" v="11" actId="478"/>
+          <ac:spMkLst>
+            <pc:docMk/>
+            <pc:sldMk cId="3760082169" sldId="258"/>
+            <ac:spMk id="37" creationId="{978367F1-D1C2-47EA-AFD5-5AA7FF3A3E48}"/>
+          </ac:spMkLst>
+        </pc:spChg>
+        <pc:spChg chg="del">
+          <ac:chgData name="Garayburu-Caruso, Vanessa A" userId="e129c12f-749a-4310-80b6-042d2c75f741" providerId="ADAL" clId="{7213A7E9-78F3-415E-A586-CC9BC3E4D401}" dt="2022-03-24T01:47:13.881" v="11" actId="478"/>
+          <ac:spMkLst>
+            <pc:docMk/>
+            <pc:sldMk cId="3760082169" sldId="258"/>
+            <ac:spMk id="38" creationId="{AF60ED78-BC1B-4795-9BE5-718005BCE9EB}"/>
+          </ac:spMkLst>
+        </pc:spChg>
+        <pc:spChg chg="del">
+          <ac:chgData name="Garayburu-Caruso, Vanessa A" userId="e129c12f-749a-4310-80b6-042d2c75f741" providerId="ADAL" clId="{7213A7E9-78F3-415E-A586-CC9BC3E4D401}" dt="2022-03-24T01:47:13.881" v="11" actId="478"/>
+          <ac:spMkLst>
+            <pc:docMk/>
+            <pc:sldMk cId="3760082169" sldId="258"/>
+            <ac:spMk id="39" creationId="{28A06B83-CBFB-421B-A4D3-DF3BD90FF94D}"/>
+          </ac:spMkLst>
+        </pc:spChg>
+        <pc:spChg chg="del mod">
+          <ac:chgData name="Garayburu-Caruso, Vanessa A" userId="e129c12f-749a-4310-80b6-042d2c75f741" providerId="ADAL" clId="{7213A7E9-78F3-415E-A586-CC9BC3E4D401}" dt="2022-03-24T01:47:54.009" v="13" actId="478"/>
+          <ac:spMkLst>
+            <pc:docMk/>
+            <pc:sldMk cId="3760082169" sldId="258"/>
+            <ac:spMk id="42" creationId="{CEA6A66D-A5FD-4411-900A-165F4849A7B6}"/>
+          </ac:spMkLst>
+        </pc:spChg>
+        <pc:picChg chg="del">
+          <ac:chgData name="Garayburu-Caruso, Vanessa A" userId="e129c12f-749a-4310-80b6-042d2c75f741" providerId="ADAL" clId="{7213A7E9-78F3-415E-A586-CC9BC3E4D401}" dt="2022-03-24T01:47:08.785" v="10" actId="478"/>
+          <ac:picMkLst>
+            <pc:docMk/>
+            <pc:sldMk cId="3760082169" sldId="258"/>
+            <ac:picMk id="16" creationId="{38233736-EEB2-4F37-97CE-32676B7FBF12}"/>
+          </ac:picMkLst>
+        </pc:picChg>
+        <pc:picChg chg="mod">
+          <ac:chgData name="Garayburu-Caruso, Vanessa A" userId="e129c12f-749a-4310-80b6-042d2c75f741" providerId="ADAL" clId="{7213A7E9-78F3-415E-A586-CC9BC3E4D401}" dt="2022-03-24T01:48:27.591" v="78" actId="14100"/>
+          <ac:picMkLst>
+            <pc:docMk/>
+            <pc:sldMk cId="3760082169" sldId="258"/>
+            <ac:picMk id="22" creationId="{B05717B6-3696-4CCF-8F16-61CA53040915}"/>
+          </ac:picMkLst>
+        </pc:picChg>
+        <pc:picChg chg="del">
+          <ac:chgData name="Garayburu-Caruso, Vanessa A" userId="e129c12f-749a-4310-80b6-042d2c75f741" providerId="ADAL" clId="{7213A7E9-78F3-415E-A586-CC9BC3E4D401}" dt="2022-03-24T01:47:13.881" v="11" actId="478"/>
+          <ac:picMkLst>
+            <pc:docMk/>
+            <pc:sldMk cId="3760082169" sldId="258"/>
+            <ac:picMk id="41" creationId="{8610C7BB-7CCD-4FA5-BAA4-27EA26071BEB}"/>
+          </ac:picMkLst>
+        </pc:picChg>
+      </pc:sldChg>
     </pc:docChg>
   </pc:docChgLst>
 </pc:chgInfo>
@@ -296,7 +495,7 @@
           <a:p>
             <a:fld id="{EB8F9C6A-9697-4BDA-BFDC-0922C08C1E4F}" type="datetimeFigureOut">
               <a:rPr lang="en-US" smtClean="0"/>
-              <a:t>3/22/2022</a:t>
+              <a:t>3/23/2022</a:t>
             </a:fld>
             <a:endParaRPr lang="en-US"/>
           </a:p>
@@ -494,7 +693,7 @@
           <a:p>
             <a:fld id="{EB8F9C6A-9697-4BDA-BFDC-0922C08C1E4F}" type="datetimeFigureOut">
               <a:rPr lang="en-US" smtClean="0"/>
-              <a:t>3/22/2022</a:t>
+              <a:t>3/23/2022</a:t>
             </a:fld>
             <a:endParaRPr lang="en-US"/>
           </a:p>
@@ -702,7 +901,7 @@
           <a:p>
             <a:fld id="{EB8F9C6A-9697-4BDA-BFDC-0922C08C1E4F}" type="datetimeFigureOut">
               <a:rPr lang="en-US" smtClean="0"/>
-              <a:t>3/22/2022</a:t>
+              <a:t>3/23/2022</a:t>
             </a:fld>
             <a:endParaRPr lang="en-US"/>
           </a:p>
@@ -900,7 +1099,7 @@
           <a:p>
             <a:fld id="{EB8F9C6A-9697-4BDA-BFDC-0922C08C1E4F}" type="datetimeFigureOut">
               <a:rPr lang="en-US" smtClean="0"/>
-              <a:t>3/22/2022</a:t>
+              <a:t>3/23/2022</a:t>
             </a:fld>
             <a:endParaRPr lang="en-US"/>
           </a:p>
@@ -1175,7 +1374,7 @@
           <a:p>
             <a:fld id="{EB8F9C6A-9697-4BDA-BFDC-0922C08C1E4F}" type="datetimeFigureOut">
               <a:rPr lang="en-US" smtClean="0"/>
-              <a:t>3/22/2022</a:t>
+              <a:t>3/23/2022</a:t>
             </a:fld>
             <a:endParaRPr lang="en-US"/>
           </a:p>
@@ -1440,7 +1639,7 @@
           <a:p>
             <a:fld id="{EB8F9C6A-9697-4BDA-BFDC-0922C08C1E4F}" type="datetimeFigureOut">
               <a:rPr lang="en-US" smtClean="0"/>
-              <a:t>3/22/2022</a:t>
+              <a:t>3/23/2022</a:t>
             </a:fld>
             <a:endParaRPr lang="en-US"/>
           </a:p>
@@ -1852,7 +2051,7 @@
           <a:p>
             <a:fld id="{EB8F9C6A-9697-4BDA-BFDC-0922C08C1E4F}" type="datetimeFigureOut">
               <a:rPr lang="en-US" smtClean="0"/>
-              <a:t>3/22/2022</a:t>
+              <a:t>3/23/2022</a:t>
             </a:fld>
             <a:endParaRPr lang="en-US"/>
           </a:p>
@@ -1993,7 +2192,7 @@
           <a:p>
             <a:fld id="{EB8F9C6A-9697-4BDA-BFDC-0922C08C1E4F}" type="datetimeFigureOut">
               <a:rPr lang="en-US" smtClean="0"/>
-              <a:t>3/22/2022</a:t>
+              <a:t>3/23/2022</a:t>
             </a:fld>
             <a:endParaRPr lang="en-US"/>
           </a:p>
@@ -2106,7 +2305,7 @@
           <a:p>
             <a:fld id="{EB8F9C6A-9697-4BDA-BFDC-0922C08C1E4F}" type="datetimeFigureOut">
               <a:rPr lang="en-US" smtClean="0"/>
-              <a:t>3/22/2022</a:t>
+              <a:t>3/23/2022</a:t>
             </a:fld>
             <a:endParaRPr lang="en-US"/>
           </a:p>
@@ -2417,7 +2616,7 @@
           <a:p>
             <a:fld id="{EB8F9C6A-9697-4BDA-BFDC-0922C08C1E4F}" type="datetimeFigureOut">
               <a:rPr lang="en-US" smtClean="0"/>
-              <a:t>3/22/2022</a:t>
+              <a:t>3/23/2022</a:t>
             </a:fld>
             <a:endParaRPr lang="en-US"/>
           </a:p>
@@ -2705,7 +2904,7 @@
           <a:p>
             <a:fld id="{EB8F9C6A-9697-4BDA-BFDC-0922C08C1E4F}" type="datetimeFigureOut">
               <a:rPr lang="en-US" smtClean="0"/>
-              <a:t>3/22/2022</a:t>
+              <a:t>3/23/2022</a:t>
             </a:fld>
             <a:endParaRPr lang="en-US"/>
           </a:p>
@@ -2946,7 +3145,7 @@
           <a:p>
             <a:fld id="{EB8F9C6A-9697-4BDA-BFDC-0922C08C1E4F}" type="datetimeFigureOut">
               <a:rPr lang="en-US" smtClean="0"/>
-              <a:t>3/22/2022</a:t>
+              <a:t>3/23/2022</a:t>
             </a:fld>
             <a:endParaRPr lang="en-US"/>
           </a:p>
@@ -4305,6 +4504,278 @@
 </p:sld>
 </file>
 
+<file path=ppt/slides/slide2.xml><?xml version="1.0" encoding="utf-8"?>
+<p:sld xmlns:a="http://schemas.openxmlformats.org/drawingml/2006/main" xmlns:r="http://schemas.openxmlformats.org/officeDocument/2006/relationships" xmlns:p="http://schemas.openxmlformats.org/presentationml/2006/main">
+  <p:cSld>
+    <p:spTree>
+      <p:nvGrpSpPr>
+        <p:cNvPr id="1" name=""/>
+        <p:cNvGrpSpPr/>
+        <p:nvPr/>
+      </p:nvGrpSpPr>
+      <p:grpSpPr>
+        <a:xfrm>
+          <a:off x="0" y="0"/>
+          <a:ext cx="0" cy="0"/>
+          <a:chOff x="0" y="0"/>
+          <a:chExt cx="0" cy="0"/>
+        </a:xfrm>
+      </p:grpSpPr>
+      <p:sp>
+        <p:nvSpPr>
+          <p:cNvPr id="14" name="TextBox 13">
+            <a:extLst>
+              <a:ext uri="{FF2B5EF4-FFF2-40B4-BE49-F238E27FC236}">
+                <a16:creationId xmlns:a16="http://schemas.microsoft.com/office/drawing/2014/main" id="{11F55AE2-0C42-4B9B-9BDE-F0EA78F647AA}"/>
+              </a:ext>
+            </a:extLst>
+          </p:cNvPr>
+          <p:cNvSpPr txBox="1"/>
+          <p:nvPr/>
+        </p:nvSpPr>
+        <p:spPr>
+          <a:xfrm>
+            <a:off x="1649811" y="5425965"/>
+            <a:ext cx="5404688" cy="1446550"/>
+          </a:xfrm>
+          <a:prstGeom prst="rect">
+            <a:avLst/>
+          </a:prstGeom>
+          <a:noFill/>
+        </p:spPr>
+        <p:txBody>
+          <a:bodyPr wrap="square" rtlCol="0">
+            <a:spAutoFit/>
+          </a:bodyPr>
+          <a:lstStyle/>
+          <a:p>
+            <a:r>
+              <a:rPr lang="en-US" sz="2200" b="1" dirty="0">
+                <a:latin typeface="Times New Roman" panose="02020603050405020304" pitchFamily="18" charset="0"/>
+                <a:cs typeface="Times New Roman" panose="02020603050405020304" pitchFamily="18" charset="0"/>
+              </a:rPr>
+              <a:t>Figure 1</a:t>
+            </a:r>
+            <a:r>
+              <a:rPr lang="en-US" sz="2200" dirty="0">
+                <a:latin typeface="Times New Roman" panose="02020603050405020304" pitchFamily="18" charset="0"/>
+                <a:cs typeface="Times New Roman" panose="02020603050405020304" pitchFamily="18" charset="0"/>
+              </a:rPr>
+              <a:t>. Field sites across the YRB that will be sampled in August 2022. The sites have been selected to span a broad range of predicted </a:t>
+            </a:r>
+            <a:r>
+              <a:rPr lang="en-US" sz="2200" dirty="0" err="1">
+                <a:latin typeface="Times New Roman" panose="02020603050405020304" pitchFamily="18" charset="0"/>
+                <a:cs typeface="Times New Roman" panose="02020603050405020304" pitchFamily="18" charset="0"/>
+              </a:rPr>
+              <a:t>ERsed</a:t>
+            </a:r>
+            <a:r>
+              <a:rPr lang="en-US" sz="2200" dirty="0">
+                <a:latin typeface="Times New Roman" panose="02020603050405020304" pitchFamily="18" charset="0"/>
+                <a:cs typeface="Times New Roman" panose="02020603050405020304" pitchFamily="18" charset="0"/>
+              </a:rPr>
+              <a:t> values.</a:t>
+            </a:r>
+          </a:p>
+        </p:txBody>
+      </p:sp>
+      <p:pic>
+        <p:nvPicPr>
+          <p:cNvPr id="22" name="Picture 21" descr="Map&#10;&#10;Description automatically generated">
+            <a:extLst>
+              <a:ext uri="{FF2B5EF4-FFF2-40B4-BE49-F238E27FC236}">
+                <a16:creationId xmlns:a16="http://schemas.microsoft.com/office/drawing/2014/main" id="{B05717B6-3696-4CCF-8F16-61CA53040915}"/>
+              </a:ext>
+            </a:extLst>
+          </p:cNvPr>
+          <p:cNvPicPr>
+            <a:picLocks noChangeAspect="1"/>
+          </p:cNvPicPr>
+          <p:nvPr/>
+        </p:nvPicPr>
+        <p:blipFill rotWithShape="1">
+          <a:blip r:embed="rId2">
+            <a:extLst>
+              <a:ext uri="{28A0092B-C50C-407E-A947-70E740481C1C}">
+                <a14:useLocalDpi xmlns:a14="http://schemas.microsoft.com/office/drawing/2010/main" val="0"/>
+              </a:ext>
+            </a:extLst>
+          </a:blip>
+          <a:srcRect r="2559"/>
+          <a:stretch/>
+        </p:blipFill>
+        <p:spPr>
+          <a:xfrm>
+            <a:off x="1695527" y="111806"/>
+            <a:ext cx="5133290" cy="5268072"/>
+          </a:xfrm>
+          <a:prstGeom prst="rect">
+            <a:avLst/>
+          </a:prstGeom>
+          <a:ln>
+            <a:solidFill>
+              <a:schemeClr val="bg2">
+                <a:lumMod val="75000"/>
+              </a:schemeClr>
+            </a:solidFill>
+          </a:ln>
+        </p:spPr>
+      </p:pic>
+      <p:sp>
+        <p:nvSpPr>
+          <p:cNvPr id="25" name="Rectangle 24">
+            <a:extLst>
+              <a:ext uri="{FF2B5EF4-FFF2-40B4-BE49-F238E27FC236}">
+                <a16:creationId xmlns:a16="http://schemas.microsoft.com/office/drawing/2014/main" id="{47094A04-19E3-4665-A89F-DA65598717F6}"/>
+              </a:ext>
+            </a:extLst>
+          </p:cNvPr>
+          <p:cNvSpPr/>
+          <p:nvPr/>
+        </p:nvSpPr>
+        <p:spPr>
+          <a:xfrm>
+            <a:off x="3577569" y="237076"/>
+            <a:ext cx="1455821" cy="461664"/>
+          </a:xfrm>
+          <a:prstGeom prst="rect">
+            <a:avLst/>
+          </a:prstGeom>
+          <a:solidFill>
+            <a:schemeClr val="bg1"/>
+          </a:solidFill>
+          <a:ln>
+            <a:noFill/>
+          </a:ln>
+        </p:spPr>
+        <p:style>
+          <a:lnRef idx="2">
+            <a:schemeClr val="accent1">
+              <a:shade val="50000"/>
+            </a:schemeClr>
+          </a:lnRef>
+          <a:fillRef idx="1">
+            <a:schemeClr val="accent1"/>
+          </a:fillRef>
+          <a:effectRef idx="0">
+            <a:schemeClr val="accent1"/>
+          </a:effectRef>
+          <a:fontRef idx="minor">
+            <a:schemeClr val="lt1"/>
+          </a:fontRef>
+        </p:style>
+        <p:txBody>
+          <a:bodyPr rtlCol="0" anchor="ctr"/>
+          <a:lstStyle/>
+          <a:p>
+            <a:pPr algn="ctr"/>
+            <a:endParaRPr lang="en-US"/>
+          </a:p>
+        </p:txBody>
+      </p:sp>
+      <p:sp>
+        <p:nvSpPr>
+          <p:cNvPr id="26" name="TextBox 25">
+            <a:extLst>
+              <a:ext uri="{FF2B5EF4-FFF2-40B4-BE49-F238E27FC236}">
+                <a16:creationId xmlns:a16="http://schemas.microsoft.com/office/drawing/2014/main" id="{2D09AEA7-91FC-4D75-8901-E55B6B5F3253}"/>
+              </a:ext>
+            </a:extLst>
+          </p:cNvPr>
+          <p:cNvSpPr txBox="1"/>
+          <p:nvPr/>
+        </p:nvSpPr>
+        <p:spPr>
+          <a:xfrm>
+            <a:off x="4791452" y="329408"/>
+            <a:ext cx="1804737" cy="369332"/>
+          </a:xfrm>
+          <a:prstGeom prst="rect">
+            <a:avLst/>
+          </a:prstGeom>
+          <a:solidFill>
+            <a:schemeClr val="bg1"/>
+          </a:solidFill>
+        </p:spPr>
+        <p:txBody>
+          <a:bodyPr wrap="square" rtlCol="0">
+            <a:spAutoFit/>
+          </a:bodyPr>
+          <a:lstStyle/>
+          <a:p>
+            <a:r>
+              <a:rPr lang="en-US" dirty="0"/>
+              <a:t>Sampling Sites</a:t>
+            </a:r>
+          </a:p>
+        </p:txBody>
+      </p:sp>
+      <p:sp>
+        <p:nvSpPr>
+          <p:cNvPr id="27" name="Isosceles Triangle 26">
+            <a:extLst>
+              <a:ext uri="{FF2B5EF4-FFF2-40B4-BE49-F238E27FC236}">
+                <a16:creationId xmlns:a16="http://schemas.microsoft.com/office/drawing/2014/main" id="{16668E57-63E1-470B-BF9B-9B75BC2ADC90}"/>
+              </a:ext>
+            </a:extLst>
+          </p:cNvPr>
+          <p:cNvSpPr/>
+          <p:nvPr/>
+        </p:nvSpPr>
+        <p:spPr>
+          <a:xfrm>
+            <a:off x="4649369" y="416198"/>
+            <a:ext cx="193345" cy="183902"/>
+          </a:xfrm>
+          <a:prstGeom prst="triangle">
+            <a:avLst/>
+          </a:prstGeom>
+          <a:solidFill>
+            <a:schemeClr val="tx1"/>
+          </a:solidFill>
+          <a:ln>
+            <a:noFill/>
+          </a:ln>
+        </p:spPr>
+        <p:style>
+          <a:lnRef idx="2">
+            <a:schemeClr val="accent1">
+              <a:shade val="50000"/>
+            </a:schemeClr>
+          </a:lnRef>
+          <a:fillRef idx="1">
+            <a:schemeClr val="accent1"/>
+          </a:fillRef>
+          <a:effectRef idx="0">
+            <a:schemeClr val="accent1"/>
+          </a:effectRef>
+          <a:fontRef idx="minor">
+            <a:schemeClr val="lt1"/>
+          </a:fontRef>
+        </p:style>
+        <p:txBody>
+          <a:bodyPr rtlCol="0" anchor="ctr"/>
+          <a:lstStyle/>
+          <a:p>
+            <a:pPr algn="ctr"/>
+            <a:endParaRPr lang="en-US"/>
+          </a:p>
+        </p:txBody>
+      </p:sp>
+    </p:spTree>
+    <p:extLst>
+      <p:ext uri="{BB962C8B-B14F-4D97-AF65-F5344CB8AC3E}">
+        <p14:creationId xmlns:p14="http://schemas.microsoft.com/office/powerpoint/2010/main" val="3760082169"/>
+      </p:ext>
+    </p:extLst>
+  </p:cSld>
+  <p:clrMapOvr>
+    <a:masterClrMapping/>
+  </p:clrMapOvr>
+</p:sld>
+</file>
+
 <file path=ppt/theme/theme1.xml><?xml version="1.0" encoding="utf-8"?>
 <a:theme xmlns:a="http://schemas.openxmlformats.org/drawingml/2006/main" name="Office Theme">
   <a:themeElements>
